--- a/Hunger.pptx
+++ b/Hunger.pptx
@@ -13991,23 +13991,45 @@
             <p:ph type="title"/>
           </p:nvPr>
         </p:nvSpPr>
-        <p:spPr/>
+        <p:spPr>
+          <a:xfrm>
+            <a:off x="0" y="163960"/>
+            <a:ext cx="10804813" cy="1400530"/>
+          </a:xfrm>
+        </p:spPr>
         <p:txBody>
           <a:bodyPr/>
           <a:lstStyle/>
           <a:p>
             <a:r>
-              <a:rPr lang="en-IN" dirty="0" smtClean="0"/>
-              <a:t>Measures Against Hunger </a:t>
-            </a:r>
-            <a:r>
-              <a:rPr lang="en-IN" smtClean="0"/>
-              <a:t>in Nepal</a:t>
-            </a:r>
-            <a:br>
-              <a:rPr lang="en-IN" smtClean="0"/>
-            </a:br>
-            <a:endParaRPr lang="en-IN"/>
+              <a:rPr lang="en-IN" sz="5400" b="1" dirty="0" smtClean="0">
+                <a:solidFill>
+                  <a:srgbClr val="007A37"/>
+                </a:solidFill>
+                <a:effectLst>
+                  <a:glow rad="533400">
+                    <a:srgbClr val="7030A0">
+                      <a:alpha val="36000"/>
+                    </a:srgbClr>
+                  </a:glow>
+                </a:effectLst>
+                <a:latin typeface="Imprint MT Shadow" panose="04020605060303030202" pitchFamily="82" charset="0"/>
+              </a:rPr>
+              <a:t>Measures Against Hunger in Nepal</a:t>
+            </a:r>
+            <a:endParaRPr lang="en-IN" sz="5400" b="1" dirty="0">
+              <a:solidFill>
+                <a:srgbClr val="007A37"/>
+              </a:solidFill>
+              <a:effectLst>
+                <a:glow rad="533400">
+                  <a:srgbClr val="7030A0">
+                    <a:alpha val="36000"/>
+                  </a:srgbClr>
+                </a:glow>
+              </a:effectLst>
+              <a:latin typeface="Imprint MT Shadow" panose="04020605060303030202" pitchFamily="82" charset="0"/>
+            </a:endParaRPr>
           </a:p>
         </p:txBody>
       </p:sp>
@@ -14021,12 +14043,405 @@
             <p:ph idx="1"/>
           </p:nvPr>
         </p:nvSpPr>
-        <p:spPr/>
+        <p:spPr>
+          <a:xfrm>
+            <a:off x="317250" y="1346595"/>
+            <a:ext cx="5602288" cy="1717447"/>
+          </a:xfrm>
+        </p:spPr>
         <p:txBody>
           <a:bodyPr/>
           <a:lstStyle/>
           <a:p>
+            <a:pPr marL="0" indent="0">
+              <a:buNone/>
+            </a:pPr>
+            <a:r>
+              <a:rPr lang="en-US" dirty="0"/>
+              <a:t>Sustainable Development Goal 2 (SDG 2) which is Zero Hunger, is a very important goal for the country. The prevalence of malnutrition among children under the age of 5 was 9.7 percent in 2016.</a:t>
+            </a:r>
+            <a:endParaRPr lang="en-IN" dirty="0"/>
+          </a:p>
+        </p:txBody>
+      </p:sp>
+      <p:sp>
+        <p:nvSpPr>
+          <p:cNvPr id="4" name="Content Placeholder 2"/>
+          <p:cNvSpPr txBox="1">
+            <a:spLocks/>
+          </p:cNvSpPr>
+          <p:nvPr/>
+        </p:nvSpPr>
+        <p:spPr>
+          <a:xfrm>
+            <a:off x="317250" y="1699992"/>
+            <a:ext cx="5602288" cy="2294493"/>
+          </a:xfrm>
+          <a:prstGeom prst="rect">
+            <a:avLst/>
+          </a:prstGeom>
+        </p:spPr>
+        <p:txBody>
+          <a:bodyPr vert="horz" lIns="91440" tIns="45720" rIns="91440" bIns="45720" rtlCol="0">
+            <a:normAutofit/>
+          </a:bodyPr>
+          <a:lstStyle>
+            <a:lvl1pPr marL="342900" indent="-342900" algn="l" defTabSz="457200" rtl="0" eaLnBrk="1" latinLnBrk="0" hangingPunct="1">
+              <a:spcBef>
+                <a:spcPts val="1000"/>
+              </a:spcBef>
+              <a:spcAft>
+                <a:spcPts val="0"/>
+              </a:spcAft>
+              <a:buClr>
+                <a:schemeClr val="accent1"/>
+              </a:buClr>
+              <a:buSzPct val="80000"/>
+              <a:buFont typeface="Wingdings 3" charset="2"/>
+              <a:buChar char=""/>
+              <a:defRPr sz="2000" b="0" i="0" kern="1200">
+                <a:solidFill>
+                  <a:schemeClr val="tx1"/>
+                </a:solidFill>
+                <a:latin typeface="+mj-lt"/>
+                <a:ea typeface="+mj-ea"/>
+                <a:cs typeface="+mj-cs"/>
+              </a:defRPr>
+            </a:lvl1pPr>
+            <a:lvl2pPr marL="742950" indent="-285750" algn="l" defTabSz="457200" rtl="0" eaLnBrk="1" latinLnBrk="0" hangingPunct="1">
+              <a:spcBef>
+                <a:spcPts val="1000"/>
+              </a:spcBef>
+              <a:spcAft>
+                <a:spcPts val="0"/>
+              </a:spcAft>
+              <a:buClr>
+                <a:schemeClr val="accent1"/>
+              </a:buClr>
+              <a:buSzPct val="80000"/>
+              <a:buFont typeface="Wingdings 3" charset="2"/>
+              <a:buChar char=""/>
+              <a:defRPr sz="1800" b="0" i="0" kern="1200">
+                <a:solidFill>
+                  <a:schemeClr val="tx1"/>
+                </a:solidFill>
+                <a:latin typeface="+mj-lt"/>
+                <a:ea typeface="+mj-ea"/>
+                <a:cs typeface="+mj-cs"/>
+              </a:defRPr>
+            </a:lvl2pPr>
+            <a:lvl3pPr marL="1143000" indent="-228600" algn="l" defTabSz="457200" rtl="0" eaLnBrk="1" latinLnBrk="0" hangingPunct="1">
+              <a:spcBef>
+                <a:spcPts val="1000"/>
+              </a:spcBef>
+              <a:spcAft>
+                <a:spcPts val="0"/>
+              </a:spcAft>
+              <a:buClr>
+                <a:schemeClr val="accent1"/>
+              </a:buClr>
+              <a:buSzPct val="80000"/>
+              <a:buFont typeface="Wingdings 3" charset="2"/>
+              <a:buChar char=""/>
+              <a:defRPr sz="1600" b="0" i="0" kern="1200">
+                <a:solidFill>
+                  <a:schemeClr val="tx1"/>
+                </a:solidFill>
+                <a:latin typeface="+mj-lt"/>
+                <a:ea typeface="+mj-ea"/>
+                <a:cs typeface="+mj-cs"/>
+              </a:defRPr>
+            </a:lvl3pPr>
+            <a:lvl4pPr marL="1600200" indent="-228600" algn="l" defTabSz="457200" rtl="0" eaLnBrk="1" latinLnBrk="0" hangingPunct="1">
+              <a:spcBef>
+                <a:spcPts val="1000"/>
+              </a:spcBef>
+              <a:spcAft>
+                <a:spcPts val="0"/>
+              </a:spcAft>
+              <a:buClr>
+                <a:schemeClr val="accent1"/>
+              </a:buClr>
+              <a:buSzPct val="80000"/>
+              <a:buFont typeface="Wingdings 3" charset="2"/>
+              <a:buChar char=""/>
+              <a:defRPr sz="1400" b="0" i="0" kern="1200">
+                <a:solidFill>
+                  <a:schemeClr val="tx1"/>
+                </a:solidFill>
+                <a:latin typeface="+mj-lt"/>
+                <a:ea typeface="+mj-ea"/>
+                <a:cs typeface="+mj-cs"/>
+              </a:defRPr>
+            </a:lvl4pPr>
+            <a:lvl5pPr marL="2057400" indent="-228600" algn="l" defTabSz="457200" rtl="0" eaLnBrk="1" latinLnBrk="0" hangingPunct="1">
+              <a:spcBef>
+                <a:spcPts val="1000"/>
+              </a:spcBef>
+              <a:spcAft>
+                <a:spcPts val="0"/>
+              </a:spcAft>
+              <a:buClr>
+                <a:schemeClr val="accent1"/>
+              </a:buClr>
+              <a:buSzPct val="80000"/>
+              <a:buFont typeface="Wingdings 3" charset="2"/>
+              <a:buChar char=""/>
+              <a:defRPr sz="1400" b="0" i="0" kern="1200">
+                <a:solidFill>
+                  <a:schemeClr val="tx1"/>
+                </a:solidFill>
+                <a:latin typeface="+mj-lt"/>
+                <a:ea typeface="+mj-ea"/>
+                <a:cs typeface="+mj-cs"/>
+              </a:defRPr>
+            </a:lvl5pPr>
+            <a:lvl6pPr marL="2514600" indent="-228600" algn="l" defTabSz="457200" rtl="0" eaLnBrk="1" latinLnBrk="0" hangingPunct="1">
+              <a:spcBef>
+                <a:spcPts val="1000"/>
+              </a:spcBef>
+              <a:spcAft>
+                <a:spcPts val="0"/>
+              </a:spcAft>
+              <a:buClr>
+                <a:schemeClr val="accent1"/>
+              </a:buClr>
+              <a:buSzPct val="80000"/>
+              <a:buFont typeface="Wingdings 3" charset="2"/>
+              <a:buChar char=""/>
+              <a:defRPr sz="1400" b="0" i="0" kern="1200">
+                <a:solidFill>
+                  <a:schemeClr val="tx1"/>
+                </a:solidFill>
+                <a:latin typeface="+mj-lt"/>
+                <a:ea typeface="+mj-ea"/>
+                <a:cs typeface="+mj-cs"/>
+              </a:defRPr>
+            </a:lvl6pPr>
+            <a:lvl7pPr marL="2971800" indent="-228600" algn="l" defTabSz="457200" rtl="0" eaLnBrk="1" latinLnBrk="0" hangingPunct="1">
+              <a:spcBef>
+                <a:spcPts val="1000"/>
+              </a:spcBef>
+              <a:spcAft>
+                <a:spcPts val="0"/>
+              </a:spcAft>
+              <a:buClr>
+                <a:schemeClr val="accent1"/>
+              </a:buClr>
+              <a:buSzPct val="80000"/>
+              <a:buFont typeface="Wingdings 3" charset="2"/>
+              <a:buChar char=""/>
+              <a:defRPr sz="1400" b="0" i="0" kern="1200">
+                <a:solidFill>
+                  <a:schemeClr val="tx1"/>
+                </a:solidFill>
+                <a:latin typeface="+mj-lt"/>
+                <a:ea typeface="+mj-ea"/>
+                <a:cs typeface="+mj-cs"/>
+              </a:defRPr>
+            </a:lvl7pPr>
+            <a:lvl8pPr marL="3429000" indent="-228600" algn="l" defTabSz="457200" rtl="0" eaLnBrk="1" latinLnBrk="0" hangingPunct="1">
+              <a:spcBef>
+                <a:spcPts val="1000"/>
+              </a:spcBef>
+              <a:spcAft>
+                <a:spcPts val="0"/>
+              </a:spcAft>
+              <a:buClr>
+                <a:schemeClr val="accent1"/>
+              </a:buClr>
+              <a:buSzPct val="80000"/>
+              <a:buFont typeface="Wingdings 3" charset="2"/>
+              <a:buChar char=""/>
+              <a:defRPr sz="1400" b="0" i="0" kern="1200">
+                <a:solidFill>
+                  <a:schemeClr val="tx1"/>
+                </a:solidFill>
+                <a:latin typeface="+mj-lt"/>
+                <a:ea typeface="+mj-ea"/>
+                <a:cs typeface="+mj-cs"/>
+              </a:defRPr>
+            </a:lvl8pPr>
+            <a:lvl9pPr marL="3886200" indent="-228600" algn="l" defTabSz="457200" rtl="0" eaLnBrk="1" latinLnBrk="0" hangingPunct="1">
+              <a:spcBef>
+                <a:spcPts val="1000"/>
+              </a:spcBef>
+              <a:spcAft>
+                <a:spcPts val="0"/>
+              </a:spcAft>
+              <a:buClr>
+                <a:schemeClr val="accent1"/>
+              </a:buClr>
+              <a:buSzPct val="80000"/>
+              <a:buFont typeface="Wingdings 3" charset="2"/>
+              <a:buChar char=""/>
+              <a:defRPr sz="1400" b="0" i="0" kern="1200">
+                <a:solidFill>
+                  <a:schemeClr val="tx1"/>
+                </a:solidFill>
+                <a:latin typeface="+mj-lt"/>
+                <a:ea typeface="+mj-ea"/>
+                <a:cs typeface="+mj-cs"/>
+              </a:defRPr>
+            </a:lvl9pPr>
+          </a:lstStyle>
+          <a:p>
             <a:endParaRPr lang="en-IN"/>
+          </a:p>
+        </p:txBody>
+      </p:sp>
+      <p:sp>
+        <p:nvSpPr>
+          <p:cNvPr id="5" name="TextBox 4"/>
+          <p:cNvSpPr txBox="1"/>
+          <p:nvPr/>
+        </p:nvSpPr>
+        <p:spPr>
+          <a:xfrm>
+            <a:off x="6200273" y="4418112"/>
+            <a:ext cx="5286329" cy="1631216"/>
+          </a:xfrm>
+          <a:prstGeom prst="rect">
+            <a:avLst/>
+          </a:prstGeom>
+          <a:noFill/>
+        </p:spPr>
+        <p:txBody>
+          <a:bodyPr wrap="square" rtlCol="0">
+            <a:spAutoFit/>
+          </a:bodyPr>
+          <a:lstStyle/>
+          <a:p>
+            <a:r>
+              <a:rPr lang="en-US" sz="2000" dirty="0"/>
+              <a:t>The government and the U.N.’s Food and Agriculture Organization (FAO) introduced the Zero Hunger Challenge in 2014, with the goal of eradicating all hunger issues in Nepal by 2025.</a:t>
+            </a:r>
+            <a:endParaRPr lang="en-IN" sz="2000" dirty="0"/>
+          </a:p>
+        </p:txBody>
+      </p:sp>
+      <p:sp>
+        <p:nvSpPr>
+          <p:cNvPr id="6" name="TextBox 5"/>
+          <p:cNvSpPr txBox="1"/>
+          <p:nvPr/>
+        </p:nvSpPr>
+        <p:spPr>
+          <a:xfrm>
+            <a:off x="252890" y="4110336"/>
+            <a:ext cx="5666648" cy="2246769"/>
+          </a:xfrm>
+          <a:prstGeom prst="rect">
+            <a:avLst/>
+          </a:prstGeom>
+          <a:noFill/>
+        </p:spPr>
+        <p:txBody>
+          <a:bodyPr wrap="square" rtlCol="0">
+            <a:spAutoFit/>
+          </a:bodyPr>
+          <a:lstStyle/>
+          <a:p>
+            <a:r>
+              <a:rPr lang="en-US" sz="2000" dirty="0" smtClean="0"/>
+              <a:t>World Food </a:t>
+            </a:r>
+            <a:r>
+              <a:rPr lang="en-US" sz="2000" dirty="0" err="1" smtClean="0"/>
+              <a:t>Programme</a:t>
+            </a:r>
+            <a:r>
+              <a:rPr lang="en-US" sz="2000" dirty="0" smtClean="0"/>
+              <a:t> supports </a:t>
+            </a:r>
+            <a:r>
+              <a:rPr lang="en-US" sz="2000" dirty="0"/>
+              <a:t>government efforts to prevent and manage malnutrition by providing nutritious school meals to children in chronically food-insecure areas and health packages to children under 5 and pregnant and breastfeeding women and girls. </a:t>
+            </a:r>
+            <a:endParaRPr lang="en-IN" sz="2000" dirty="0"/>
+          </a:p>
+        </p:txBody>
+      </p:sp>
+      <p:sp>
+        <p:nvSpPr>
+          <p:cNvPr id="7" name="TextBox 6"/>
+          <p:cNvSpPr txBox="1"/>
+          <p:nvPr/>
+        </p:nvSpPr>
+        <p:spPr>
+          <a:xfrm>
+            <a:off x="6047874" y="1397403"/>
+            <a:ext cx="5591129" cy="1631216"/>
+          </a:xfrm>
+          <a:prstGeom prst="rect">
+            <a:avLst/>
+          </a:prstGeom>
+          <a:noFill/>
+        </p:spPr>
+        <p:txBody>
+          <a:bodyPr wrap="square" rtlCol="0">
+            <a:spAutoFit/>
+          </a:bodyPr>
+          <a:lstStyle/>
+          <a:p>
+            <a:r>
+              <a:rPr lang="en-US" sz="2000" dirty="0" smtClean="0"/>
+              <a:t>The Government </a:t>
+            </a:r>
+            <a:r>
+              <a:rPr lang="en-US" sz="2000" dirty="0"/>
+              <a:t>also supports climate vulnerable communities, particularly farmers in the central </a:t>
+            </a:r>
+            <a:r>
+              <a:rPr lang="en-US" sz="2000" dirty="0" err="1"/>
+              <a:t>Terai</a:t>
+            </a:r>
+            <a:r>
+              <a:rPr lang="en-US" sz="2000" dirty="0"/>
+              <a:t> districts, in preparing for, withstanding and better recovering from </a:t>
+            </a:r>
+            <a:r>
+              <a:rPr lang="en-US" sz="2000" dirty="0" smtClean="0"/>
+              <a:t>shocks</a:t>
+            </a:r>
+            <a:endParaRPr lang="en-IN" sz="2000" dirty="0"/>
+          </a:p>
+        </p:txBody>
+      </p:sp>
+      <p:sp>
+        <p:nvSpPr>
+          <p:cNvPr id="8" name="TextBox 7"/>
+          <p:cNvSpPr txBox="1"/>
+          <p:nvPr/>
+        </p:nvSpPr>
+        <p:spPr>
+          <a:xfrm>
+            <a:off x="4427621" y="2847238"/>
+            <a:ext cx="5694947" cy="2554545"/>
+          </a:xfrm>
+          <a:prstGeom prst="rect">
+            <a:avLst/>
+          </a:prstGeom>
+          <a:noFill/>
+        </p:spPr>
+        <p:txBody>
+          <a:bodyPr wrap="square" rtlCol="0">
+            <a:spAutoFit/>
+          </a:bodyPr>
+          <a:lstStyle/>
+          <a:p>
+            <a:r>
+              <a:rPr lang="en-US" sz="2000" smtClean="0"/>
+              <a:t> </a:t>
+            </a:r>
+            <a:r>
+              <a:rPr lang="en-US" sz="2000" dirty="0"/>
+              <a:t>This includes developing climate-resilient community infrastructure, improving food processing and storage to overcome lean-season shortages, enhancing agricultural productivity and preparedness for climate shocks, and setting up early-warning systems.</a:t>
+            </a:r>
+            <a:endParaRPr lang="en-IN" sz="2000" dirty="0"/>
+          </a:p>
+          <a:p>
+            <a:endParaRPr lang="en-IN" sz="2000" dirty="0"/>
           </a:p>
         </p:txBody>
       </p:sp>
